--- a/IoT - 28 - Assets & Devices Management/IoT - 28 - IoT Asset and Device Management.pptx
+++ b/IoT - 28 - Assets & Devices Management/IoT - 28 - IoT Asset and Device Management.pptx
@@ -37,7 +37,9 @@
     <p:sldId id="292" r:id="rId31"/>
     <p:sldId id="283" r:id="rId32"/>
     <p:sldId id="293" r:id="rId33"/>
-    <p:sldId id="257" r:id="rId34"/>
+    <p:sldId id="294" r:id="rId34"/>
+    <p:sldId id="295" r:id="rId35"/>
+    <p:sldId id="257" r:id="rId36"/>
   </p:sldIdLst>
   <p:sldSz cx="9144000" cy="6858000" type="screen4x3"/>
   <p:notesSz cx="6858000" cy="9144000"/>
@@ -180,6 +182,8 @@
             <p14:sldId id="292"/>
             <p14:sldId id="283"/>
             <p14:sldId id="293"/>
+            <p14:sldId id="294"/>
+            <p14:sldId id="295"/>
             <p14:sldId id="257"/>
           </p14:sldIdLst>
         </p14:section>
@@ -322,7 +326,7 @@
           <a:p>
             <a:fld id="{89AA8B8B-1B1C-42C4-BE9B-2D1516377903}" type="datetimeFigureOut">
               <a:rPr lang="en-US" smtClean="0"/>
-              <a:t>24-Jun-19</a:t>
+              <a:t>8/8/2019</a:t>
             </a:fld>
             <a:endParaRPr lang="en-US"/>
           </a:p>
@@ -492,7 +496,7 @@
           <a:p>
             <a:fld id="{89AA8B8B-1B1C-42C4-BE9B-2D1516377903}" type="datetimeFigureOut">
               <a:rPr lang="en-US" smtClean="0"/>
-              <a:t>24-Jun-19</a:t>
+              <a:t>8/8/2019</a:t>
             </a:fld>
             <a:endParaRPr lang="en-US"/>
           </a:p>
@@ -672,7 +676,7 @@
           <a:p>
             <a:fld id="{89AA8B8B-1B1C-42C4-BE9B-2D1516377903}" type="datetimeFigureOut">
               <a:rPr lang="en-US" smtClean="0"/>
-              <a:t>24-Jun-19</a:t>
+              <a:t>8/8/2019</a:t>
             </a:fld>
             <a:endParaRPr lang="en-US"/>
           </a:p>
@@ -845,7 +849,7 @@
           <a:p>
             <a:fld id="{89AA8B8B-1B1C-42C4-BE9B-2D1516377903}" type="datetimeFigureOut">
               <a:rPr lang="en-US" smtClean="0"/>
-              <a:t>24-Jun-19</a:t>
+              <a:t>8/8/2019</a:t>
             </a:fld>
             <a:endParaRPr lang="en-US"/>
           </a:p>
@@ -1089,7 +1093,7 @@
           <a:p>
             <a:fld id="{89AA8B8B-1B1C-42C4-BE9B-2D1516377903}" type="datetimeFigureOut">
               <a:rPr lang="en-US" smtClean="0"/>
-              <a:t>24-Jun-19</a:t>
+              <a:t>8/8/2019</a:t>
             </a:fld>
             <a:endParaRPr lang="en-US"/>
           </a:p>
@@ -1321,7 +1325,7 @@
           <a:p>
             <a:fld id="{89AA8B8B-1B1C-42C4-BE9B-2D1516377903}" type="datetimeFigureOut">
               <a:rPr lang="en-US" smtClean="0"/>
-              <a:t>24-Jun-19</a:t>
+              <a:t>8/8/2019</a:t>
             </a:fld>
             <a:endParaRPr lang="en-US"/>
           </a:p>
@@ -1688,7 +1692,7 @@
           <a:p>
             <a:fld id="{89AA8B8B-1B1C-42C4-BE9B-2D1516377903}" type="datetimeFigureOut">
               <a:rPr lang="en-US" smtClean="0"/>
-              <a:t>24-Jun-19</a:t>
+              <a:t>8/8/2019</a:t>
             </a:fld>
             <a:endParaRPr lang="en-US"/>
           </a:p>
@@ -1806,7 +1810,7 @@
           <a:p>
             <a:fld id="{89AA8B8B-1B1C-42C4-BE9B-2D1516377903}" type="datetimeFigureOut">
               <a:rPr lang="en-US" smtClean="0"/>
-              <a:t>24-Jun-19</a:t>
+              <a:t>8/8/2019</a:t>
             </a:fld>
             <a:endParaRPr lang="en-US"/>
           </a:p>
@@ -1901,7 +1905,7 @@
           <a:p>
             <a:fld id="{89AA8B8B-1B1C-42C4-BE9B-2D1516377903}" type="datetimeFigureOut">
               <a:rPr lang="en-US" smtClean="0"/>
-              <a:t>24-Jun-19</a:t>
+              <a:t>8/8/2019</a:t>
             </a:fld>
             <a:endParaRPr lang="en-US"/>
           </a:p>
@@ -2178,7 +2182,7 @@
           <a:p>
             <a:fld id="{89AA8B8B-1B1C-42C4-BE9B-2D1516377903}" type="datetimeFigureOut">
               <a:rPr lang="en-US" smtClean="0"/>
-              <a:t>24-Jun-19</a:t>
+              <a:t>8/8/2019</a:t>
             </a:fld>
             <a:endParaRPr lang="en-US"/>
           </a:p>
@@ -2435,7 +2439,7 @@
           <a:p>
             <a:fld id="{89AA8B8B-1B1C-42C4-BE9B-2D1516377903}" type="datetimeFigureOut">
               <a:rPr lang="en-US" smtClean="0"/>
-              <a:t>24-Jun-19</a:t>
+              <a:t>8/8/2019</a:t>
             </a:fld>
             <a:endParaRPr lang="en-US"/>
           </a:p>
@@ -2523,7 +2527,7 @@
           <p:cNvPr id="7" name="Picture 6">
             <a:extLst>
               <a:ext uri="{FF2B5EF4-FFF2-40B4-BE49-F238E27FC236}">
-                <a16:creationId xmlns:a16="http://schemas.microsoft.com/office/drawing/2014/main" id="{1CA5F2D1-C77B-4614-B681-5858C9584088}"/>
+                <a16:creationId xmlns:a16="http://schemas.microsoft.com/office/drawing/2014/main" xmlns="" id="{1CA5F2D1-C77B-4614-B681-5858C9584088}"/>
               </a:ext>
             </a:extLst>
           </p:cNvPr>
@@ -2533,7 +2537,7 @@
           <p:nvPr userDrawn="1"/>
         </p:nvPicPr>
         <p:blipFill rotWithShape="1">
-          <a:blip r:embed="rId13">
+          <a:blip r:embed="rId13" cstate="print">
             <a:extLst>
               <a:ext uri="{28A0092B-C50C-407E-A947-70E740481C1C}">
                 <a14:useLocalDpi xmlns:a14="http://schemas.microsoft.com/office/drawing/2010/main" val="0"/>
@@ -2731,7 +2735,7 @@
           <a:p>
             <a:fld id="{89AA8B8B-1B1C-42C4-BE9B-2D1516377903}" type="datetimeFigureOut">
               <a:rPr lang="en-US" smtClean="0"/>
-              <a:t>24-Jun-19</a:t>
+              <a:t>8/8/2019</a:t>
             </a:fld>
             <a:endParaRPr lang="en-US"/>
           </a:p>
@@ -2820,7 +2824,7 @@
           <p:cNvPr id="8" name="Picture 7">
             <a:extLst>
               <a:ext uri="{FF2B5EF4-FFF2-40B4-BE49-F238E27FC236}">
-                <a16:creationId xmlns:a16="http://schemas.microsoft.com/office/drawing/2014/main" id="{8EA70F98-D6BF-44D5-864A-E8B8E6EA8A9F}"/>
+                <a16:creationId xmlns:a16="http://schemas.microsoft.com/office/drawing/2014/main" xmlns="" id="{8EA70F98-D6BF-44D5-864A-E8B8E6EA8A9F}"/>
               </a:ext>
             </a:extLst>
           </p:cNvPr>
@@ -2830,7 +2834,7 @@
           <p:nvPr userDrawn="1"/>
         </p:nvPicPr>
         <p:blipFill rotWithShape="1">
-          <a:blip r:embed="rId14" cstate="hqprint">
+          <a:blip r:embed="rId14" cstate="print">
             <a:extLst>
               <a:ext uri="{28A0092B-C50C-407E-A947-70E740481C1C}">
                 <a14:useLocalDpi xmlns:a14="http://schemas.microsoft.com/office/drawing/2010/main" val="0"/>
@@ -2855,7 +2859,7 @@
           <p:cNvPr id="9" name="Rectangle 8">
             <a:extLst>
               <a:ext uri="{FF2B5EF4-FFF2-40B4-BE49-F238E27FC236}">
-                <a16:creationId xmlns:a16="http://schemas.microsoft.com/office/drawing/2014/main" id="{57E39DBC-BF39-4AA8-A8D4-8190CF567658}"/>
+                <a16:creationId xmlns:a16="http://schemas.microsoft.com/office/drawing/2014/main" xmlns="" id="{57E39DBC-BF39-4AA8-A8D4-8190CF567658}"/>
               </a:ext>
             </a:extLst>
           </p:cNvPr>
@@ -2918,7 +2922,7 @@
           <p:cNvPr id="10" name="Picture 9">
             <a:extLst>
               <a:ext uri="{FF2B5EF4-FFF2-40B4-BE49-F238E27FC236}">
-                <a16:creationId xmlns:a16="http://schemas.microsoft.com/office/drawing/2014/main" id="{089B2762-C2F9-4BAC-B1EE-95539397A963}"/>
+                <a16:creationId xmlns:a16="http://schemas.microsoft.com/office/drawing/2014/main" xmlns="" id="{089B2762-C2F9-4BAC-B1EE-95539397A963}"/>
               </a:ext>
             </a:extLst>
           </p:cNvPr>
@@ -2928,7 +2932,7 @@
           <p:nvPr userDrawn="1"/>
         </p:nvPicPr>
         <p:blipFill>
-          <a:blip r:embed="rId15" cstate="hqprint">
+          <a:blip r:embed="rId15" cstate="print">
             <a:extLst>
               <a:ext uri="{28A0092B-C50C-407E-A947-70E740481C1C}">
                 <a14:useLocalDpi xmlns:a14="http://schemas.microsoft.com/office/drawing/2010/main" val="0"/>
@@ -2954,7 +2958,7 @@
           <p:cNvPr id="11" name="Group 10">
             <a:extLst>
               <a:ext uri="{FF2B5EF4-FFF2-40B4-BE49-F238E27FC236}">
-                <a16:creationId xmlns:a16="http://schemas.microsoft.com/office/drawing/2014/main" id="{4B60F85D-D540-4735-B378-D7D9225FE7F3}"/>
+                <a16:creationId xmlns:a16="http://schemas.microsoft.com/office/drawing/2014/main" xmlns="" id="{4B60F85D-D540-4735-B378-D7D9225FE7F3}"/>
               </a:ext>
             </a:extLst>
           </p:cNvPr>
@@ -2974,7 +2978,7 @@
             <p:cNvPr id="12" name="Picture 11">
               <a:extLst>
                 <a:ext uri="{FF2B5EF4-FFF2-40B4-BE49-F238E27FC236}">
-                  <a16:creationId xmlns:a16="http://schemas.microsoft.com/office/drawing/2014/main" id="{2CE453EB-EDB4-49CF-90BE-4F74F5C3CE50}"/>
+                  <a16:creationId xmlns:a16="http://schemas.microsoft.com/office/drawing/2014/main" xmlns="" id="{2CE453EB-EDB4-49CF-90BE-4F74F5C3CE50}"/>
                 </a:ext>
               </a:extLst>
             </p:cNvPr>
@@ -2984,7 +2988,7 @@
             <p:nvPr/>
           </p:nvPicPr>
           <p:blipFill>
-            <a:blip r:embed="rId16" cstate="hqprint">
+            <a:blip r:embed="rId16" cstate="print">
               <a:extLst>
                 <a:ext uri="{28A0092B-C50C-407E-A947-70E740481C1C}">
                   <a14:useLocalDpi xmlns:a14="http://schemas.microsoft.com/office/drawing/2010/main" val="0"/>
@@ -3010,7 +3014,7 @@
             <p:cNvPr id="13" name="Title 1">
               <a:extLst>
                 <a:ext uri="{FF2B5EF4-FFF2-40B4-BE49-F238E27FC236}">
-                  <a16:creationId xmlns:a16="http://schemas.microsoft.com/office/drawing/2014/main" id="{73E0DBD7-B92C-4F4C-A59F-F8EF3A4C3876}"/>
+                  <a16:creationId xmlns:a16="http://schemas.microsoft.com/office/drawing/2014/main" xmlns="" id="{73E0DBD7-B92C-4F4C-A59F-F8EF3A4C3876}"/>
                 </a:ext>
               </a:extLst>
             </p:cNvPr>
@@ -3402,7 +3406,7 @@
           <p:cNvPr id="47" name="Picture 46">
             <a:extLst>
               <a:ext uri="{FF2B5EF4-FFF2-40B4-BE49-F238E27FC236}">
-                <a16:creationId xmlns:a16="http://schemas.microsoft.com/office/drawing/2014/main" id="{1CA5F2D1-C77B-4614-B681-5858C9584088}"/>
+                <a16:creationId xmlns:a16="http://schemas.microsoft.com/office/drawing/2014/main" xmlns="" id="{1CA5F2D1-C77B-4614-B681-5858C9584088}"/>
               </a:ext>
             </a:extLst>
           </p:cNvPr>
@@ -3412,7 +3416,7 @@
           <p:nvPr/>
         </p:nvPicPr>
         <p:blipFill rotWithShape="1">
-          <a:blip r:embed="rId2">
+          <a:blip r:embed="rId2" cstate="print">
             <a:extLst>
               <a:ext uri="{28A0092B-C50C-407E-A947-70E740481C1C}">
                 <a14:useLocalDpi xmlns:a14="http://schemas.microsoft.com/office/drawing/2010/main" val="0"/>
@@ -3437,7 +3441,7 @@
           <p:cNvPr id="46" name="Group 45">
             <a:extLst>
               <a:ext uri="{FF2B5EF4-FFF2-40B4-BE49-F238E27FC236}">
-                <a16:creationId xmlns:a16="http://schemas.microsoft.com/office/drawing/2014/main" id="{4B60F85D-D540-4735-B378-D7D9225FE7F3}"/>
+                <a16:creationId xmlns:a16="http://schemas.microsoft.com/office/drawing/2014/main" xmlns="" id="{4B60F85D-D540-4735-B378-D7D9225FE7F3}"/>
               </a:ext>
             </a:extLst>
           </p:cNvPr>
@@ -3457,7 +3461,7 @@
             <p:cNvPr id="34" name="Picture 33">
               <a:extLst>
                 <a:ext uri="{FF2B5EF4-FFF2-40B4-BE49-F238E27FC236}">
-                  <a16:creationId xmlns:a16="http://schemas.microsoft.com/office/drawing/2014/main" id="{2CE453EB-EDB4-49CF-90BE-4F74F5C3CE50}"/>
+                  <a16:creationId xmlns:a16="http://schemas.microsoft.com/office/drawing/2014/main" xmlns="" id="{2CE453EB-EDB4-49CF-90BE-4F74F5C3CE50}"/>
                 </a:ext>
               </a:extLst>
             </p:cNvPr>
@@ -3467,7 +3471,7 @@
             <p:nvPr/>
           </p:nvPicPr>
           <p:blipFill>
-            <a:blip r:embed="rId3" cstate="hqprint">
+            <a:blip r:embed="rId3" cstate="print">
               <a:extLst>
                 <a:ext uri="{28A0092B-C50C-407E-A947-70E740481C1C}">
                   <a14:useLocalDpi xmlns:a14="http://schemas.microsoft.com/office/drawing/2010/main" val="0"/>
@@ -3493,7 +3497,7 @@
             <p:cNvPr id="37" name="Title 1">
               <a:extLst>
                 <a:ext uri="{FF2B5EF4-FFF2-40B4-BE49-F238E27FC236}">
-                  <a16:creationId xmlns:a16="http://schemas.microsoft.com/office/drawing/2014/main" id="{73E0DBD7-B92C-4F4C-A59F-F8EF3A4C3876}"/>
+                  <a16:creationId xmlns:a16="http://schemas.microsoft.com/office/drawing/2014/main" xmlns="" id="{73E0DBD7-B92C-4F4C-A59F-F8EF3A4C3876}"/>
                 </a:ext>
               </a:extLst>
             </p:cNvPr>
@@ -3564,7 +3568,7 @@
           <p:cNvPr id="17" name="Title 1">
             <a:extLst>
               <a:ext uri="{FF2B5EF4-FFF2-40B4-BE49-F238E27FC236}">
-                <a16:creationId xmlns:a16="http://schemas.microsoft.com/office/drawing/2014/main" id="{FE488684-4B91-45E0-AC48-E54C1020FB09}"/>
+                <a16:creationId xmlns:a16="http://schemas.microsoft.com/office/drawing/2014/main" xmlns="" id="{FE488684-4B91-45E0-AC48-E54C1020FB09}"/>
               </a:ext>
             </a:extLst>
           </p:cNvPr>
@@ -3677,18 +3681,7 @@
                 </a:solidFill>
                 <a:latin typeface="HP Simplified" panose="020B0606020204020204" pitchFamily="34" charset="0"/>
               </a:rPr>
-              <a:t>IoT </a:t>
-            </a:r>
-            <a:r>
-              <a:rPr lang="id-ID" smtClean="0">
-                <a:solidFill>
-                  <a:schemeClr val="accent1">
-                    <a:lumMod val="50000"/>
-                  </a:schemeClr>
-                </a:solidFill>
-                <a:latin typeface="HP Simplified" panose="020B0606020204020204" pitchFamily="34" charset="0"/>
-              </a:rPr>
-              <a:t>Device </a:t>
+              <a:t>IoT Device </a:t>
             </a:r>
             <a:r>
               <a:rPr lang="id-ID" dirty="0" smtClean="0">
@@ -3722,6 +3715,13 @@
   <p:clrMapOvr>
     <a:masterClrMapping/>
   </p:clrMapOvr>
+  <p:timing>
+    <p:tnLst>
+      <p:par>
+        <p:cTn id="1" dur="indefinite" restart="never" nodeType="tmRoot"/>
+      </p:par>
+    </p:tnLst>
+  </p:timing>
 </p:sld>
 </file>
 
@@ -3803,6 +3803,13 @@
   <p:clrMapOvr>
     <a:masterClrMapping/>
   </p:clrMapOvr>
+  <p:timing>
+    <p:tnLst>
+      <p:par>
+        <p:cTn id="1" dur="indefinite" restart="never" nodeType="tmRoot"/>
+      </p:par>
+    </p:tnLst>
+  </p:timing>
 </p:sld>
 </file>
 
@@ -3878,6 +3885,13 @@
   <p:clrMapOvr>
     <a:masterClrMapping/>
   </p:clrMapOvr>
+  <p:timing>
+    <p:tnLst>
+      <p:par>
+        <p:cTn id="1" dur="indefinite" restart="never" nodeType="tmRoot"/>
+      </p:par>
+    </p:tnLst>
+  </p:timing>
 </p:sld>
 </file>
 
@@ -3934,7 +3948,7 @@
         <p:spPr/>
         <p:txBody>
           <a:bodyPr>
-            <a:normAutofit fontScale="92500" lnSpcReduction="20000"/>
+            <a:normAutofit fontScale="92500"/>
           </a:bodyPr>
           <a:lstStyle/>
           <a:p>
@@ -4045,6 +4059,13 @@
   <p:clrMapOvr>
     <a:masterClrMapping/>
   </p:clrMapOvr>
+  <p:timing>
+    <p:tnLst>
+      <p:par>
+        <p:cTn id="1" dur="indefinite" restart="never" nodeType="tmRoot"/>
+      </p:par>
+    </p:tnLst>
+  </p:timing>
 </p:sld>
 </file>
 
@@ -4174,6 +4195,13 @@
   <p:clrMapOvr>
     <a:masterClrMapping/>
   </p:clrMapOvr>
+  <p:timing>
+    <p:tnLst>
+      <p:par>
+        <p:cTn id="1" dur="indefinite" restart="never" nodeType="tmRoot"/>
+      </p:par>
+    </p:tnLst>
+  </p:timing>
 </p:sld>
 </file>
 
@@ -4278,6 +4306,13 @@
   <p:clrMapOvr>
     <a:masterClrMapping/>
   </p:clrMapOvr>
+  <p:timing>
+    <p:tnLst>
+      <p:par>
+        <p:cTn id="1" dur="indefinite" restart="never" nodeType="tmRoot"/>
+      </p:par>
+    </p:tnLst>
+  </p:timing>
 </p:sld>
 </file>
 
@@ -4357,6 +4392,13 @@
   <p:clrMapOvr>
     <a:masterClrMapping/>
   </p:clrMapOvr>
+  <p:timing>
+    <p:tnLst>
+      <p:par>
+        <p:cTn id="1" dur="indefinite" restart="never" nodeType="tmRoot"/>
+      </p:par>
+    </p:tnLst>
+  </p:timing>
 </p:sld>
 </file>
 
@@ -4432,6 +4474,13 @@
   <p:clrMapOvr>
     <a:masterClrMapping/>
   </p:clrMapOvr>
+  <p:timing>
+    <p:tnLst>
+      <p:par>
+        <p:cTn id="1" dur="indefinite" restart="never" nodeType="tmRoot"/>
+      </p:par>
+    </p:tnLst>
+  </p:timing>
 </p:sld>
 </file>
 
@@ -4518,6 +4567,13 @@
   <p:clrMapOvr>
     <a:masterClrMapping/>
   </p:clrMapOvr>
+  <p:timing>
+    <p:tnLst>
+      <p:par>
+        <p:cTn id="1" dur="indefinite" restart="never" nodeType="tmRoot"/>
+      </p:par>
+    </p:tnLst>
+  </p:timing>
 </p:sld>
 </file>
 
@@ -4613,8 +4669,61 @@
             </a:r>
             <a:r>
               <a:rPr lang="en-US" dirty="0"/>
-              <a:t>the degree of fragmentation </a:t>
-            </a:r>
+              <a:t>the degree of </a:t>
+            </a:r>
+            <a:r>
+              <a:rPr lang="en-US" dirty="0">
+                <a:solidFill>
+                  <a:srgbClr val="FF0000"/>
+                </a:solidFill>
+              </a:rPr>
+              <a:t>fragmentation </a:t>
+            </a:r>
+            <a:r>
+              <a:rPr lang="en-US" dirty="0" smtClean="0">
+                <a:solidFill>
+                  <a:srgbClr val="FF0000"/>
+                </a:solidFill>
+              </a:rPr>
+              <a:t>(</a:t>
+            </a:r>
+            <a:r>
+              <a:rPr lang="en-US" dirty="0" err="1" smtClean="0">
+                <a:solidFill>
+                  <a:srgbClr val="FF0000"/>
+                </a:solidFill>
+              </a:rPr>
+              <a:t>perbedaan</a:t>
+            </a:r>
+            <a:r>
+              <a:rPr lang="en-US" dirty="0" smtClean="0">
+                <a:solidFill>
+                  <a:srgbClr val="FF0000"/>
+                </a:solidFill>
+              </a:rPr>
+              <a:t> </a:t>
+            </a:r>
+            <a:r>
+              <a:rPr lang="en-US" dirty="0" err="1" smtClean="0">
+                <a:solidFill>
+                  <a:srgbClr val="FF0000"/>
+                </a:solidFill>
+              </a:rPr>
+              <a:t>versi</a:t>
+            </a:r>
+            <a:r>
+              <a:rPr lang="en-US" dirty="0" smtClean="0">
+                <a:solidFill>
+                  <a:srgbClr val="FF0000"/>
+                </a:solidFill>
+              </a:rPr>
+              <a:t>)</a:t>
+            </a:r>
+            <a:endParaRPr lang="en-US" dirty="0">
+              <a:solidFill>
+                <a:srgbClr val="FF0000"/>
+              </a:solidFill>
+            </a:endParaRPr>
           </a:p>
           <a:p>
             <a:r>
@@ -4684,6 +4793,13 @@
   <p:clrMapOvr>
     <a:masterClrMapping/>
   </p:clrMapOvr>
+  <p:timing>
+    <p:tnLst>
+      <p:par>
+        <p:cTn id="1" dur="indefinite" restart="never" nodeType="tmRoot"/>
+      </p:par>
+    </p:tnLst>
+  </p:timing>
 </p:sld>
 </file>
 
@@ -4821,6 +4937,13 @@
   <p:clrMapOvr>
     <a:masterClrMapping/>
   </p:clrMapOvr>
+  <p:timing>
+    <p:tnLst>
+      <p:par>
+        <p:cTn id="1" dur="indefinite" restart="never" nodeType="tmRoot"/>
+      </p:par>
+    </p:tnLst>
+  </p:timing>
 </p:sld>
 </file>
 
@@ -4917,6 +5040,13 @@
   <p:clrMapOvr>
     <a:masterClrMapping/>
   </p:clrMapOvr>
+  <p:timing>
+    <p:tnLst>
+      <p:par>
+        <p:cTn id="1" dur="indefinite" restart="never" nodeType="tmRoot"/>
+      </p:par>
+    </p:tnLst>
+  </p:timing>
 </p:sld>
 </file>
 
@@ -4949,7 +5079,9 @@
         </p:nvSpPr>
         <p:spPr/>
         <p:txBody>
-          <a:bodyPr/>
+          <a:bodyPr>
+            <a:normAutofit fontScale="90000"/>
+          </a:bodyPr>
           <a:lstStyle/>
           <a:p>
             <a:r>
@@ -5026,6 +5158,13 @@
   <p:clrMapOvr>
     <a:masterClrMapping/>
   </p:clrMapOvr>
+  <p:timing>
+    <p:tnLst>
+      <p:par>
+        <p:cTn id="1" dur="indefinite" restart="never" nodeType="tmRoot"/>
+      </p:par>
+    </p:tnLst>
+  </p:timing>
 </p:sld>
 </file>
 
@@ -5105,6 +5244,13 @@
   <p:clrMapOvr>
     <a:masterClrMapping/>
   </p:clrMapOvr>
+  <p:timing>
+    <p:tnLst>
+      <p:par>
+        <p:cTn id="1" dur="indefinite" restart="never" nodeType="tmRoot"/>
+      </p:par>
+    </p:tnLst>
+  </p:timing>
 </p:sld>
 </file>
 
@@ -5219,6 +5365,13 @@
   <p:clrMapOvr>
     <a:masterClrMapping/>
   </p:clrMapOvr>
+  <p:timing>
+    <p:tnLst>
+      <p:par>
+        <p:cTn id="1" dur="indefinite" restart="never" nodeType="tmRoot"/>
+      </p:par>
+    </p:tnLst>
+  </p:timing>
 </p:sld>
 </file>
 
@@ -5322,6 +5475,13 @@
   <p:clrMapOvr>
     <a:masterClrMapping/>
   </p:clrMapOvr>
+  <p:timing>
+    <p:tnLst>
+      <p:par>
+        <p:cTn id="1" dur="indefinite" restart="never" nodeType="tmRoot"/>
+      </p:par>
+    </p:tnLst>
+  </p:timing>
 </p:sld>
 </file>
 
@@ -5465,6 +5625,13 @@
   <p:clrMapOvr>
     <a:masterClrMapping/>
   </p:clrMapOvr>
+  <p:timing>
+    <p:tnLst>
+      <p:par>
+        <p:cTn id="1" dur="indefinite" restart="never" nodeType="tmRoot"/>
+      </p:par>
+    </p:tnLst>
+  </p:timing>
 </p:sld>
 </file>
 
@@ -5629,6 +5796,13 @@
   <p:clrMapOvr>
     <a:masterClrMapping/>
   </p:clrMapOvr>
+  <p:timing>
+    <p:tnLst>
+      <p:par>
+        <p:cTn id="1" dur="indefinite" restart="never" nodeType="tmRoot"/>
+      </p:par>
+    </p:tnLst>
+  </p:timing>
 </p:sld>
 </file>
 
@@ -5723,6 +5897,13 @@
   <p:clrMapOvr>
     <a:masterClrMapping/>
   </p:clrMapOvr>
+  <p:timing>
+    <p:tnLst>
+      <p:par>
+        <p:cTn id="1" dur="indefinite" restart="never" nodeType="tmRoot"/>
+      </p:par>
+    </p:tnLst>
+  </p:timing>
 </p:sld>
 </file>
 
@@ -5824,6 +6005,13 @@
   <p:clrMapOvr>
     <a:masterClrMapping/>
   </p:clrMapOvr>
+  <p:timing>
+    <p:tnLst>
+      <p:par>
+        <p:cTn id="1" dur="indefinite" restart="never" nodeType="tmRoot"/>
+      </p:par>
+    </p:tnLst>
+  </p:timing>
 </p:sld>
 </file>
 
@@ -5922,6 +6110,13 @@
   <p:clrMapOvr>
     <a:masterClrMapping/>
   </p:clrMapOvr>
+  <p:timing>
+    <p:tnLst>
+      <p:par>
+        <p:cTn id="1" dur="indefinite" restart="never" nodeType="tmRoot"/>
+      </p:par>
+    </p:tnLst>
+  </p:timing>
 </p:sld>
 </file>
 
@@ -6431,6 +6626,13 @@
   <p:clrMapOvr>
     <a:masterClrMapping/>
   </p:clrMapOvr>
+  <p:timing>
+    <p:tnLst>
+      <p:par>
+        <p:cTn id="1" dur="indefinite" restart="never" nodeType="tmRoot"/>
+      </p:par>
+    </p:tnLst>
+  </p:timing>
 </p:sld>
 </file>
 
@@ -6510,6 +6712,13 @@
   <p:clrMapOvr>
     <a:masterClrMapping/>
   </p:clrMapOvr>
+  <p:timing>
+    <p:tnLst>
+      <p:par>
+        <p:cTn id="1" dur="indefinite" restart="never" nodeType="tmRoot"/>
+      </p:par>
+    </p:tnLst>
+  </p:timing>
 </p:sld>
 </file>
 
@@ -6897,6 +7106,13 @@
   <p:clrMapOvr>
     <a:masterClrMapping/>
   </p:clrMapOvr>
+  <p:timing>
+    <p:tnLst>
+      <p:par>
+        <p:cTn id="1" dur="indefinite" restart="never" nodeType="tmRoot"/>
+      </p:par>
+    </p:tnLst>
+  </p:timing>
 </p:sld>
 </file>
 
@@ -7170,6 +7386,13 @@
   <p:clrMapOvr>
     <a:masterClrMapping/>
   </p:clrMapOvr>
+  <p:timing>
+    <p:tnLst>
+      <p:par>
+        <p:cTn id="1" dur="indefinite" restart="never" nodeType="tmRoot"/>
+      </p:par>
+    </p:tnLst>
+  </p:timing>
 </p:sld>
 </file>
 
@@ -7245,10 +7468,329 @@
   <p:clrMapOvr>
     <a:masterClrMapping/>
   </p:clrMapOvr>
+  <p:timing>
+    <p:tnLst>
+      <p:par>
+        <p:cTn id="1" dur="indefinite" restart="never" nodeType="tmRoot"/>
+      </p:par>
+    </p:tnLst>
+  </p:timing>
 </p:sld>
 </file>
 
 <file path=ppt/slides/slide33.xml><?xml version="1.0" encoding="utf-8"?>
+<p:sld xmlns:a="http://schemas.openxmlformats.org/drawingml/2006/main" xmlns:r="http://schemas.openxmlformats.org/officeDocument/2006/relationships" xmlns:p="http://schemas.openxmlformats.org/presentationml/2006/main">
+  <p:cSld>
+    <p:spTree>
+      <p:nvGrpSpPr>
+        <p:cNvPr id="1" name=""/>
+        <p:cNvGrpSpPr/>
+        <p:nvPr/>
+      </p:nvGrpSpPr>
+      <p:grpSpPr>
+        <a:xfrm>
+          <a:off x="0" y="0"/>
+          <a:ext cx="0" cy="0"/>
+          <a:chOff x="0" y="0"/>
+          <a:chExt cx="0" cy="0"/>
+        </a:xfrm>
+      </p:grpSpPr>
+      <p:sp>
+        <p:nvSpPr>
+          <p:cNvPr id="2" name="Title 1"/>
+          <p:cNvSpPr>
+            <a:spLocks noGrp="1"/>
+          </p:cNvSpPr>
+          <p:nvPr>
+            <p:ph type="title"/>
+          </p:nvPr>
+        </p:nvSpPr>
+        <p:spPr/>
+        <p:txBody>
+          <a:bodyPr/>
+          <a:lstStyle/>
+          <a:p>
+            <a:r>
+              <a:rPr lang="en-US" dirty="0" err="1" smtClean="0"/>
+              <a:t>Sesi</a:t>
+            </a:r>
+            <a:r>
+              <a:rPr lang="en-US" dirty="0" smtClean="0"/>
+              <a:t> Lab 1</a:t>
+            </a:r>
+            <a:endParaRPr lang="en-US" dirty="0"/>
+          </a:p>
+        </p:txBody>
+      </p:sp>
+      <p:sp>
+        <p:nvSpPr>
+          <p:cNvPr id="3" name="Content Placeholder 2"/>
+          <p:cNvSpPr>
+            <a:spLocks noGrp="1"/>
+          </p:cNvSpPr>
+          <p:nvPr>
+            <p:ph idx="1"/>
+          </p:nvPr>
+        </p:nvSpPr>
+        <p:spPr/>
+        <p:txBody>
+          <a:bodyPr/>
+          <a:lstStyle/>
+          <a:p>
+            <a:r>
+              <a:rPr lang="en-US" dirty="0" err="1" smtClean="0"/>
+              <a:t>Carilah</a:t>
+            </a:r>
+            <a:r>
+              <a:rPr lang="en-US" dirty="0" smtClean="0"/>
+              <a:t> </a:t>
+            </a:r>
+            <a:r>
+              <a:rPr lang="en-US" dirty="0" err="1" smtClean="0"/>
+              <a:t>kasus</a:t>
+            </a:r>
+            <a:r>
+              <a:rPr lang="en-US" dirty="0" smtClean="0"/>
+              <a:t>/problem </a:t>
+            </a:r>
+            <a:r>
+              <a:rPr lang="en-US" dirty="0" err="1" smtClean="0"/>
+              <a:t>terkait</a:t>
+            </a:r>
+            <a:r>
+              <a:rPr lang="en-US" dirty="0"/>
+              <a:t> </a:t>
+            </a:r>
+            <a:r>
+              <a:rPr lang="id-ID" dirty="0" err="1" smtClean="0"/>
+              <a:t>Firmware</a:t>
+            </a:r>
+            <a:r>
+              <a:rPr lang="id-ID" dirty="0" smtClean="0"/>
+              <a:t> </a:t>
+            </a:r>
+            <a:r>
+              <a:rPr lang="id-ID" dirty="0" err="1" smtClean="0"/>
+              <a:t>Update</a:t>
+            </a:r>
+            <a:endParaRPr lang="en-US" dirty="0" smtClean="0"/>
+          </a:p>
+          <a:p>
+            <a:pPr lvl="1"/>
+            <a:r>
+              <a:rPr lang="en-US" dirty="0" err="1" smtClean="0"/>
+              <a:t>Kasusnya</a:t>
+            </a:r>
+            <a:r>
+              <a:rPr lang="en-US" dirty="0" smtClean="0"/>
+              <a:t> </a:t>
+            </a:r>
+            <a:r>
+              <a:rPr lang="en-US" dirty="0" err="1" smtClean="0"/>
+              <a:t>apa</a:t>
+            </a:r>
+            <a:endParaRPr lang="en-US" dirty="0" smtClean="0"/>
+          </a:p>
+          <a:p>
+            <a:pPr lvl="1"/>
+            <a:r>
+              <a:rPr lang="en-US" dirty="0" err="1" smtClean="0"/>
+              <a:t>Dampaknya</a:t>
+            </a:r>
+            <a:r>
+              <a:rPr lang="en-US" dirty="0" smtClean="0"/>
+              <a:t> </a:t>
+            </a:r>
+            <a:r>
+              <a:rPr lang="en-US" dirty="0" err="1" smtClean="0"/>
+              <a:t>bagaimana</a:t>
+            </a:r>
+            <a:endParaRPr lang="en-US" dirty="0" smtClean="0"/>
+          </a:p>
+          <a:p>
+            <a:pPr lvl="1"/>
+            <a:endParaRPr lang="en-US" dirty="0"/>
+          </a:p>
+          <a:p>
+            <a:r>
+              <a:rPr lang="en-US" dirty="0" err="1" smtClean="0"/>
+              <a:t>Waktu</a:t>
+            </a:r>
+            <a:r>
+              <a:rPr lang="en-US" dirty="0" smtClean="0"/>
+              <a:t>: 30 </a:t>
+            </a:r>
+            <a:r>
+              <a:rPr lang="en-US" dirty="0" err="1" smtClean="0"/>
+              <a:t>menit</a:t>
+            </a:r>
+            <a:r>
+              <a:rPr lang="en-US" dirty="0"/>
+              <a:t> </a:t>
+            </a:r>
+            <a:r>
+              <a:rPr lang="en-US" dirty="0" smtClean="0"/>
+              <a:t>(</a:t>
+            </a:r>
+            <a:r>
+              <a:rPr lang="en-US" dirty="0" err="1" smtClean="0"/>
+              <a:t>kelompok</a:t>
+            </a:r>
+            <a:r>
+              <a:rPr lang="en-US" dirty="0" smtClean="0"/>
+              <a:t> </a:t>
+            </a:r>
+            <a:r>
+              <a:rPr lang="en-US" dirty="0" err="1" smtClean="0"/>
+              <a:t>maks</a:t>
+            </a:r>
+            <a:r>
+              <a:rPr lang="en-US" dirty="0" smtClean="0"/>
+              <a:t> 4 orang)</a:t>
+            </a:r>
+          </a:p>
+          <a:p>
+            <a:pPr lvl="1"/>
+            <a:r>
+              <a:rPr lang="en-US" dirty="0" smtClean="0"/>
+              <a:t>Output: </a:t>
+            </a:r>
+            <a:r>
+              <a:rPr lang="en-US" dirty="0" err="1" smtClean="0"/>
+              <a:t>ppt</a:t>
+            </a:r>
+            <a:endParaRPr lang="en-US" dirty="0" smtClean="0"/>
+          </a:p>
+          <a:p>
+            <a:pPr lvl="1"/>
+            <a:r>
+              <a:rPr lang="en-US" dirty="0" err="1" smtClean="0"/>
+              <a:t>Dipresentasikan</a:t>
+            </a:r>
+            <a:endParaRPr lang="en-US" dirty="0" smtClean="0"/>
+          </a:p>
+        </p:txBody>
+      </p:sp>
+    </p:spTree>
+    <p:extLst>
+      <p:ext uri="{BB962C8B-B14F-4D97-AF65-F5344CB8AC3E}">
+        <p14:creationId xmlns:p14="http://schemas.microsoft.com/office/powerpoint/2010/main" val="637233186"/>
+      </p:ext>
+    </p:extLst>
+  </p:cSld>
+  <p:clrMapOvr>
+    <a:masterClrMapping/>
+  </p:clrMapOvr>
+  <p:timing>
+    <p:tnLst>
+      <p:par>
+        <p:cTn id="1" dur="indefinite" restart="never" nodeType="tmRoot"/>
+      </p:par>
+    </p:tnLst>
+  </p:timing>
+</p:sld>
+</file>
+
+<file path=ppt/slides/slide34.xml><?xml version="1.0" encoding="utf-8"?>
+<p:sld xmlns:a="http://schemas.openxmlformats.org/drawingml/2006/main" xmlns:r="http://schemas.openxmlformats.org/officeDocument/2006/relationships" xmlns:p="http://schemas.openxmlformats.org/presentationml/2006/main">
+  <p:cSld>
+    <p:spTree>
+      <p:nvGrpSpPr>
+        <p:cNvPr id="1" name=""/>
+        <p:cNvGrpSpPr/>
+        <p:nvPr/>
+      </p:nvGrpSpPr>
+      <p:grpSpPr>
+        <a:xfrm>
+          <a:off x="0" y="0"/>
+          <a:ext cx="0" cy="0"/>
+          <a:chOff x="0" y="0"/>
+          <a:chExt cx="0" cy="0"/>
+        </a:xfrm>
+      </p:grpSpPr>
+      <p:sp>
+        <p:nvSpPr>
+          <p:cNvPr id="2" name="Title 1"/>
+          <p:cNvSpPr>
+            <a:spLocks noGrp="1"/>
+          </p:cNvSpPr>
+          <p:nvPr>
+            <p:ph type="title"/>
+          </p:nvPr>
+        </p:nvSpPr>
+        <p:spPr/>
+        <p:txBody>
+          <a:bodyPr/>
+          <a:lstStyle/>
+          <a:p>
+            <a:r>
+              <a:rPr lang="en-US" dirty="0" err="1" smtClean="0"/>
+              <a:t>Sesi</a:t>
+            </a:r>
+            <a:r>
+              <a:rPr lang="en-US" dirty="0" smtClean="0"/>
+              <a:t> Lab: </a:t>
+            </a:r>
+            <a:r>
+              <a:rPr lang="en-US" dirty="0" err="1" smtClean="0"/>
+              <a:t>Instalasi</a:t>
+            </a:r>
+            <a:r>
+              <a:rPr lang="en-US" dirty="0" smtClean="0"/>
+              <a:t> </a:t>
+            </a:r>
+            <a:r>
+              <a:rPr lang="en-US" dirty="0" err="1" smtClean="0"/>
+              <a:t>Leshan</a:t>
+            </a:r>
+            <a:r>
+              <a:rPr lang="en-US" dirty="0" smtClean="0"/>
+              <a:t> Server</a:t>
+            </a:r>
+            <a:endParaRPr lang="en-US" dirty="0"/>
+          </a:p>
+        </p:txBody>
+      </p:sp>
+      <p:sp>
+        <p:nvSpPr>
+          <p:cNvPr id="3" name="Content Placeholder 2"/>
+          <p:cNvSpPr>
+            <a:spLocks noGrp="1"/>
+          </p:cNvSpPr>
+          <p:nvPr>
+            <p:ph idx="1"/>
+          </p:nvPr>
+        </p:nvSpPr>
+        <p:spPr/>
+        <p:txBody>
+          <a:bodyPr/>
+          <a:lstStyle/>
+          <a:p>
+            <a:endParaRPr lang="en-US" dirty="0"/>
+          </a:p>
+        </p:txBody>
+      </p:sp>
+    </p:spTree>
+    <p:extLst>
+      <p:ext uri="{BB962C8B-B14F-4D97-AF65-F5344CB8AC3E}">
+        <p14:creationId xmlns:p14="http://schemas.microsoft.com/office/powerpoint/2010/main" val="4271704763"/>
+      </p:ext>
+    </p:extLst>
+  </p:cSld>
+  <p:clrMapOvr>
+    <a:masterClrMapping/>
+  </p:clrMapOvr>
+  <p:timing>
+    <p:tnLst>
+      <p:par>
+        <p:cTn id="1" dur="indefinite" restart="never" nodeType="tmRoot"/>
+      </p:par>
+    </p:tnLst>
+  </p:timing>
+</p:sld>
+</file>
+
+<file path=ppt/slides/slide35.xml><?xml version="1.0" encoding="utf-8"?>
 <p:sld xmlns:a="http://schemas.openxmlformats.org/drawingml/2006/main" xmlns:r="http://schemas.openxmlformats.org/officeDocument/2006/relationships" xmlns:p="http://schemas.openxmlformats.org/presentationml/2006/main">
   <p:cSld>
     <p:spTree>
@@ -7270,7 +7812,7 @@
           <p:cNvPr id="18" name="Picture 17">
             <a:extLst>
               <a:ext uri="{FF2B5EF4-FFF2-40B4-BE49-F238E27FC236}">
-                <a16:creationId xmlns:a16="http://schemas.microsoft.com/office/drawing/2014/main" id="{088EDB95-D57D-43D6-839D-F21AFB3EFF21}"/>
+                <a16:creationId xmlns:a16="http://schemas.microsoft.com/office/drawing/2014/main" xmlns="" id="{088EDB95-D57D-43D6-839D-F21AFB3EFF21}"/>
               </a:ext>
             </a:extLst>
           </p:cNvPr>
@@ -7280,7 +7822,7 @@
           <p:nvPr/>
         </p:nvPicPr>
         <p:blipFill rotWithShape="1">
-          <a:blip r:embed="rId2">
+          <a:blip r:embed="rId2" cstate="print">
             <a:extLst>
               <a:ext uri="{28A0092B-C50C-407E-A947-70E740481C1C}">
                 <a14:useLocalDpi xmlns:a14="http://schemas.microsoft.com/office/drawing/2010/main" val="0"/>
@@ -7305,7 +7847,7 @@
           <p:cNvPr id="6" name="Group 5">
             <a:extLst>
               <a:ext uri="{FF2B5EF4-FFF2-40B4-BE49-F238E27FC236}">
-                <a16:creationId xmlns:a16="http://schemas.microsoft.com/office/drawing/2014/main" id="{539FCA66-5646-4B0E-8DAB-6A9D8EC1C265}"/>
+                <a16:creationId xmlns:a16="http://schemas.microsoft.com/office/drawing/2014/main" xmlns="" id="{539FCA66-5646-4B0E-8DAB-6A9D8EC1C265}"/>
               </a:ext>
             </a:extLst>
           </p:cNvPr>
@@ -7325,7 +7867,7 @@
             <p:cNvPr id="7" name="Picture 6">
               <a:extLst>
                 <a:ext uri="{FF2B5EF4-FFF2-40B4-BE49-F238E27FC236}">
-                  <a16:creationId xmlns:a16="http://schemas.microsoft.com/office/drawing/2014/main" id="{5C0680D9-1347-439D-B54E-62825519D7D8}"/>
+                  <a16:creationId xmlns:a16="http://schemas.microsoft.com/office/drawing/2014/main" xmlns="" id="{5C0680D9-1347-439D-B54E-62825519D7D8}"/>
                 </a:ext>
               </a:extLst>
             </p:cNvPr>
@@ -7335,7 +7877,7 @@
             <p:nvPr/>
           </p:nvPicPr>
           <p:blipFill>
-            <a:blip r:embed="rId3" cstate="hqprint">
+            <a:blip r:embed="rId3" cstate="print">
               <a:extLst>
                 <a:ext uri="{28A0092B-C50C-407E-A947-70E740481C1C}">
                   <a14:useLocalDpi xmlns:a14="http://schemas.microsoft.com/office/drawing/2010/main" val="0"/>
@@ -7361,7 +7903,7 @@
             <p:cNvPr id="8" name="Picture 7">
               <a:extLst>
                 <a:ext uri="{FF2B5EF4-FFF2-40B4-BE49-F238E27FC236}">
-                  <a16:creationId xmlns:a16="http://schemas.microsoft.com/office/drawing/2014/main" id="{A4A983BD-FDF3-467D-B6FC-5262B2783492}"/>
+                  <a16:creationId xmlns:a16="http://schemas.microsoft.com/office/drawing/2014/main" xmlns="" id="{A4A983BD-FDF3-467D-B6FC-5262B2783492}"/>
                 </a:ext>
               </a:extLst>
             </p:cNvPr>
@@ -7371,7 +7913,7 @@
             <p:nvPr/>
           </p:nvPicPr>
           <p:blipFill>
-            <a:blip r:embed="rId4" cstate="hqprint">
+            <a:blip r:embed="rId4" cstate="print">
               <a:extLst>
                 <a:ext uri="{28A0092B-C50C-407E-A947-70E740481C1C}">
                   <a14:useLocalDpi xmlns:a14="http://schemas.microsoft.com/office/drawing/2010/main" val="0"/>
@@ -7397,7 +7939,7 @@
             <p:cNvPr id="9" name="Picture 8">
               <a:extLst>
                 <a:ext uri="{FF2B5EF4-FFF2-40B4-BE49-F238E27FC236}">
-                  <a16:creationId xmlns:a16="http://schemas.microsoft.com/office/drawing/2014/main" id="{974C9ED1-F614-40B7-B987-364331AEA7A1}"/>
+                  <a16:creationId xmlns:a16="http://schemas.microsoft.com/office/drawing/2014/main" xmlns="" id="{974C9ED1-F614-40B7-B987-364331AEA7A1}"/>
                 </a:ext>
               </a:extLst>
             </p:cNvPr>
@@ -7407,7 +7949,7 @@
             <p:nvPr/>
           </p:nvPicPr>
           <p:blipFill>
-            <a:blip r:embed="rId5" cstate="hqprint">
+            <a:blip r:embed="rId5" cstate="print">
               <a:extLst>
                 <a:ext uri="{28A0092B-C50C-407E-A947-70E740481C1C}">
                   <a14:useLocalDpi xmlns:a14="http://schemas.microsoft.com/office/drawing/2010/main" val="0"/>
@@ -7433,7 +7975,7 @@
             <p:cNvPr id="10" name="Title 1">
               <a:extLst>
                 <a:ext uri="{FF2B5EF4-FFF2-40B4-BE49-F238E27FC236}">
-                  <a16:creationId xmlns:a16="http://schemas.microsoft.com/office/drawing/2014/main" id="{1D067117-5FDC-4612-B064-B663709B1833}"/>
+                  <a16:creationId xmlns:a16="http://schemas.microsoft.com/office/drawing/2014/main" xmlns="" id="{1D067117-5FDC-4612-B064-B663709B1833}"/>
                 </a:ext>
               </a:extLst>
             </p:cNvPr>
@@ -7503,7 +8045,7 @@
             <p:cNvPr id="11" name="Title 1">
               <a:extLst>
                 <a:ext uri="{FF2B5EF4-FFF2-40B4-BE49-F238E27FC236}">
-                  <a16:creationId xmlns:a16="http://schemas.microsoft.com/office/drawing/2014/main" id="{1836F539-354E-46E3-8616-C5F4B6531B84}"/>
+                  <a16:creationId xmlns:a16="http://schemas.microsoft.com/office/drawing/2014/main" xmlns="" id="{1836F539-354E-46E3-8616-C5F4B6531B84}"/>
                 </a:ext>
               </a:extLst>
             </p:cNvPr>
@@ -7573,7 +8115,7 @@
             <p:cNvPr id="12" name="Title 1">
               <a:extLst>
                 <a:ext uri="{FF2B5EF4-FFF2-40B4-BE49-F238E27FC236}">
-                  <a16:creationId xmlns:a16="http://schemas.microsoft.com/office/drawing/2014/main" id="{01C47935-32DD-4412-BB89-98F47C0CF21E}"/>
+                  <a16:creationId xmlns:a16="http://schemas.microsoft.com/office/drawing/2014/main" xmlns="" id="{01C47935-32DD-4412-BB89-98F47C0CF21E}"/>
                 </a:ext>
               </a:extLst>
             </p:cNvPr>
@@ -7643,7 +8185,7 @@
             <p:cNvPr id="13" name="Picture 12">
               <a:extLst>
                 <a:ext uri="{FF2B5EF4-FFF2-40B4-BE49-F238E27FC236}">
-                  <a16:creationId xmlns:a16="http://schemas.microsoft.com/office/drawing/2014/main" id="{CDCACA51-C325-4023-9C88-859ACDFAD9DE}"/>
+                  <a16:creationId xmlns:a16="http://schemas.microsoft.com/office/drawing/2014/main" xmlns="" id="{CDCACA51-C325-4023-9C88-859ACDFAD9DE}"/>
                 </a:ext>
               </a:extLst>
             </p:cNvPr>
@@ -7653,7 +8195,7 @@
             <p:nvPr/>
           </p:nvPicPr>
           <p:blipFill>
-            <a:blip r:embed="rId6" cstate="hqprint">
+            <a:blip r:embed="rId6" cstate="print">
               <a:extLst>
                 <a:ext uri="{28A0092B-C50C-407E-A947-70E740481C1C}">
                   <a14:useLocalDpi xmlns:a14="http://schemas.microsoft.com/office/drawing/2010/main" val="0"/>
@@ -7679,7 +8221,7 @@
             <p:cNvPr id="14" name="Title 1">
               <a:extLst>
                 <a:ext uri="{FF2B5EF4-FFF2-40B4-BE49-F238E27FC236}">
-                  <a16:creationId xmlns:a16="http://schemas.microsoft.com/office/drawing/2014/main" id="{AB5299A3-9580-4C35-8ACF-51B39D383A60}"/>
+                  <a16:creationId xmlns:a16="http://schemas.microsoft.com/office/drawing/2014/main" xmlns="" id="{AB5299A3-9580-4C35-8ACF-51B39D383A60}"/>
                 </a:ext>
               </a:extLst>
             </p:cNvPr>
@@ -7750,7 +8292,7 @@
           <p:cNvPr id="15" name="Title 1">
             <a:extLst>
               <a:ext uri="{FF2B5EF4-FFF2-40B4-BE49-F238E27FC236}">
-                <a16:creationId xmlns:a16="http://schemas.microsoft.com/office/drawing/2014/main" id="{15B4ECB2-1EA2-45BD-A1C4-83B0C6BDA2C2}"/>
+                <a16:creationId xmlns:a16="http://schemas.microsoft.com/office/drawing/2014/main" xmlns="" id="{15B4ECB2-1EA2-45BD-A1C4-83B0C6BDA2C2}"/>
               </a:ext>
             </a:extLst>
           </p:cNvPr>
@@ -7820,7 +8362,7 @@
           <p:cNvPr id="16" name="Picture 15">
             <a:extLst>
               <a:ext uri="{FF2B5EF4-FFF2-40B4-BE49-F238E27FC236}">
-                <a16:creationId xmlns:a16="http://schemas.microsoft.com/office/drawing/2014/main" id="{09ECE9BA-4A57-4C40-8543-79ADE3BA9D81}"/>
+                <a16:creationId xmlns:a16="http://schemas.microsoft.com/office/drawing/2014/main" xmlns="" id="{09ECE9BA-4A57-4C40-8543-79ADE3BA9D81}"/>
               </a:ext>
             </a:extLst>
           </p:cNvPr>
@@ -7830,7 +8372,7 @@
           <p:nvPr/>
         </p:nvPicPr>
         <p:blipFill rotWithShape="1">
-          <a:blip r:embed="rId7" cstate="hqprint">
+          <a:blip r:embed="rId7" cstate="print">
             <a:extLst>
               <a:ext uri="{28A0092B-C50C-407E-A947-70E740481C1C}">
                 <a14:useLocalDpi xmlns:a14="http://schemas.microsoft.com/office/drawing/2010/main" val="0"/>
@@ -7855,7 +8397,7 @@
           <p:cNvPr id="17" name="Rectangle 16">
             <a:extLst>
               <a:ext uri="{FF2B5EF4-FFF2-40B4-BE49-F238E27FC236}">
-                <a16:creationId xmlns:a16="http://schemas.microsoft.com/office/drawing/2014/main" id="{FE69A50C-EA9B-47A2-B1B3-8D385A77FE0F}"/>
+                <a16:creationId xmlns:a16="http://schemas.microsoft.com/office/drawing/2014/main" xmlns="" id="{FE69A50C-EA9B-47A2-B1B3-8D385A77FE0F}"/>
               </a:ext>
             </a:extLst>
           </p:cNvPr>
@@ -8131,7 +8673,7 @@
           <p:cNvPr id="20" name="Group 19">
             <a:extLst>
               <a:ext uri="{FF2B5EF4-FFF2-40B4-BE49-F238E27FC236}">
-                <a16:creationId xmlns:a16="http://schemas.microsoft.com/office/drawing/2014/main" id="{AD8B2030-99C4-4505-9667-DE6CE4B6CE0B}"/>
+                <a16:creationId xmlns:a16="http://schemas.microsoft.com/office/drawing/2014/main" xmlns="" id="{AD8B2030-99C4-4505-9667-DE6CE4B6CE0B}"/>
               </a:ext>
             </a:extLst>
           </p:cNvPr>
@@ -8151,7 +8693,7 @@
             <p:cNvPr id="21" name="Picture 20">
               <a:extLst>
                 <a:ext uri="{FF2B5EF4-FFF2-40B4-BE49-F238E27FC236}">
-                  <a16:creationId xmlns:a16="http://schemas.microsoft.com/office/drawing/2014/main" id="{9587EFBD-0C26-4194-996D-1BA694E97DCD}"/>
+                  <a16:creationId xmlns:a16="http://schemas.microsoft.com/office/drawing/2014/main" xmlns="" id="{9587EFBD-0C26-4194-996D-1BA694E97DCD}"/>
                 </a:ext>
               </a:extLst>
             </p:cNvPr>
@@ -8161,7 +8703,7 @@
             <p:nvPr/>
           </p:nvPicPr>
           <p:blipFill>
-            <a:blip r:embed="rId8" cstate="hqprint">
+            <a:blip r:embed="rId8" cstate="print">
               <a:extLst>
                 <a:ext uri="{28A0092B-C50C-407E-A947-70E740481C1C}">
                   <a14:useLocalDpi xmlns:a14="http://schemas.microsoft.com/office/drawing/2010/main" val="0"/>
@@ -8187,7 +8729,7 @@
             <p:cNvPr id="22" name="Title 1">
               <a:extLst>
                 <a:ext uri="{FF2B5EF4-FFF2-40B4-BE49-F238E27FC236}">
-                  <a16:creationId xmlns:a16="http://schemas.microsoft.com/office/drawing/2014/main" id="{D2C9E095-20A3-45B6-B340-94169BBF4AC4}"/>
+                  <a16:creationId xmlns:a16="http://schemas.microsoft.com/office/drawing/2014/main" xmlns="" id="{D2C9E095-20A3-45B6-B340-94169BBF4AC4}"/>
                 </a:ext>
               </a:extLst>
             </p:cNvPr>
@@ -8263,6 +8805,13 @@
   <p:clrMapOvr>
     <a:masterClrMapping/>
   </p:clrMapOvr>
+  <p:timing>
+    <p:tnLst>
+      <p:par>
+        <p:cTn id="1" dur="indefinite" restart="never" nodeType="tmRoot"/>
+      </p:par>
+    </p:tnLst>
+  </p:timing>
 </p:sld>
 </file>
 
@@ -8342,6 +8891,13 @@
   <p:clrMapOvr>
     <a:masterClrMapping/>
   </p:clrMapOvr>
+  <p:timing>
+    <p:tnLst>
+      <p:par>
+        <p:cTn id="1" dur="indefinite" restart="never" nodeType="tmRoot"/>
+      </p:par>
+    </p:tnLst>
+  </p:timing>
 </p:sld>
 </file>
 
@@ -8374,7 +8930,9 @@
         </p:nvSpPr>
         <p:spPr/>
         <p:txBody>
-          <a:bodyPr/>
+          <a:bodyPr>
+            <a:normAutofit fontScale="90000"/>
+          </a:bodyPr>
           <a:lstStyle/>
           <a:p>
             <a:r>
@@ -8421,6 +8979,13 @@
   <p:clrMapOvr>
     <a:masterClrMapping/>
   </p:clrMapOvr>
+  <p:timing>
+    <p:tnLst>
+      <p:par>
+        <p:cTn id="1" dur="indefinite" restart="never" nodeType="tmRoot"/>
+      </p:par>
+    </p:tnLst>
+  </p:timing>
 </p:sld>
 </file>
 
@@ -8499,6 +9064,13 @@
   <p:clrMapOvr>
     <a:masterClrMapping/>
   </p:clrMapOvr>
+  <p:timing>
+    <p:tnLst>
+      <p:par>
+        <p:cTn id="1" dur="indefinite" restart="never" nodeType="tmRoot"/>
+      </p:par>
+    </p:tnLst>
+  </p:timing>
 </p:sld>
 </file>
 
@@ -8578,6 +9150,13 @@
   <p:clrMapOvr>
     <a:masterClrMapping/>
   </p:clrMapOvr>
+  <p:timing>
+    <p:tnLst>
+      <p:par>
+        <p:cTn id="1" dur="indefinite" restart="never" nodeType="tmRoot"/>
+      </p:par>
+    </p:tnLst>
+  </p:timing>
 </p:sld>
 </file>
 
@@ -8714,6 +9293,13 @@
   <p:clrMapOvr>
     <a:masterClrMapping/>
   </p:clrMapOvr>
+  <p:timing>
+    <p:tnLst>
+      <p:par>
+        <p:cTn id="1" dur="indefinite" restart="never" nodeType="tmRoot"/>
+      </p:par>
+    </p:tnLst>
+  </p:timing>
 </p:sld>
 </file>
 
@@ -8839,6 +9425,13 @@
   <p:clrMapOvr>
     <a:masterClrMapping/>
   </p:clrMapOvr>
+  <p:timing>
+    <p:tnLst>
+      <p:par>
+        <p:cTn id="1" dur="indefinite" restart="never" nodeType="tmRoot"/>
+      </p:par>
+    </p:tnLst>
+  </p:timing>
 </p:sld>
 </file>
 
